--- a/AlloySimpleApp.pptx
+++ b/AlloySimpleApp.pptx
@@ -308,7 +308,7 @@
           <a:p>
             <a:fld id="{8FAF7160-E7A3-344E-ADDB-529753F47C82}" type="datetimeFigureOut">
               <a:rPr lang="en-US" smtClean="0"/>
-              <a:t>9/11/12</a:t>
+              <a:t>9/12/12</a:t>
             </a:fld>
             <a:endParaRPr lang="en-US"/>
           </a:p>
@@ -478,7 +478,7 @@
           <a:p>
             <a:fld id="{8FAF7160-E7A3-344E-ADDB-529753F47C82}" type="datetimeFigureOut">
               <a:rPr lang="en-US" smtClean="0"/>
-              <a:t>9/11/12</a:t>
+              <a:t>9/12/12</a:t>
             </a:fld>
             <a:endParaRPr lang="en-US"/>
           </a:p>
@@ -658,7 +658,7 @@
           <a:p>
             <a:fld id="{8FAF7160-E7A3-344E-ADDB-529753F47C82}" type="datetimeFigureOut">
               <a:rPr lang="en-US" smtClean="0"/>
-              <a:t>9/11/12</a:t>
+              <a:t>9/12/12</a:t>
             </a:fld>
             <a:endParaRPr lang="en-US"/>
           </a:p>
@@ -828,7 +828,7 @@
           <a:p>
             <a:fld id="{8FAF7160-E7A3-344E-ADDB-529753F47C82}" type="datetimeFigureOut">
               <a:rPr lang="en-US" smtClean="0"/>
-              <a:t>9/11/12</a:t>
+              <a:t>9/12/12</a:t>
             </a:fld>
             <a:endParaRPr lang="en-US"/>
           </a:p>
@@ -1074,7 +1074,7 @@
           <a:p>
             <a:fld id="{8FAF7160-E7A3-344E-ADDB-529753F47C82}" type="datetimeFigureOut">
               <a:rPr lang="en-US" smtClean="0"/>
-              <a:t>9/11/12</a:t>
+              <a:t>9/12/12</a:t>
             </a:fld>
             <a:endParaRPr lang="en-US"/>
           </a:p>
@@ -1362,7 +1362,7 @@
           <a:p>
             <a:fld id="{8FAF7160-E7A3-344E-ADDB-529753F47C82}" type="datetimeFigureOut">
               <a:rPr lang="en-US" smtClean="0"/>
-              <a:t>9/11/12</a:t>
+              <a:t>9/12/12</a:t>
             </a:fld>
             <a:endParaRPr lang="en-US"/>
           </a:p>
@@ -1784,7 +1784,7 @@
           <a:p>
             <a:fld id="{8FAF7160-E7A3-344E-ADDB-529753F47C82}" type="datetimeFigureOut">
               <a:rPr lang="en-US" smtClean="0"/>
-              <a:t>9/11/12</a:t>
+              <a:t>9/12/12</a:t>
             </a:fld>
             <a:endParaRPr lang="en-US"/>
           </a:p>
@@ -1902,7 +1902,7 @@
           <a:p>
             <a:fld id="{8FAF7160-E7A3-344E-ADDB-529753F47C82}" type="datetimeFigureOut">
               <a:rPr lang="en-US" smtClean="0"/>
-              <a:t>9/11/12</a:t>
+              <a:t>9/12/12</a:t>
             </a:fld>
             <a:endParaRPr lang="en-US"/>
           </a:p>
@@ -1997,7 +1997,7 @@
           <a:p>
             <a:fld id="{8FAF7160-E7A3-344E-ADDB-529753F47C82}" type="datetimeFigureOut">
               <a:rPr lang="en-US" smtClean="0"/>
-              <a:t>9/11/12</a:t>
+              <a:t>9/12/12</a:t>
             </a:fld>
             <a:endParaRPr lang="en-US"/>
           </a:p>
@@ -2274,7 +2274,7 @@
           <a:p>
             <a:fld id="{8FAF7160-E7A3-344E-ADDB-529753F47C82}" type="datetimeFigureOut">
               <a:rPr lang="en-US" smtClean="0"/>
-              <a:t>9/11/12</a:t>
+              <a:t>9/12/12</a:t>
             </a:fld>
             <a:endParaRPr lang="en-US"/>
           </a:p>
@@ -2527,7 +2527,7 @@
           <a:p>
             <a:fld id="{8FAF7160-E7A3-344E-ADDB-529753F47C82}" type="datetimeFigureOut">
               <a:rPr lang="en-US" smtClean="0"/>
-              <a:t>9/11/12</a:t>
+              <a:t>9/12/12</a:t>
             </a:fld>
             <a:endParaRPr lang="en-US"/>
           </a:p>
@@ -2740,7 +2740,7 @@
           <a:p>
             <a:fld id="{8FAF7160-E7A3-344E-ADDB-529753F47C82}" type="datetimeFigureOut">
               <a:rPr lang="en-US" smtClean="0"/>
-              <a:t>9/11/12</a:t>
+              <a:t>9/12/12</a:t>
             </a:fld>
             <a:endParaRPr lang="en-US"/>
           </a:p>
@@ -3932,12 +3932,13 @@
                 <a:latin typeface="Courier"/>
                 <a:cs typeface="Courier"/>
               </a:rPr>
-              <a:t>tabOneChildView</a:t>
+              <a:t>tabViewOneChild</a:t>
             </a:r>
             <a:r>
               <a:rPr lang="en-US" sz="2000" dirty="0" smtClean="0"/>
               <a:t>, </a:t>
             </a:r>
+            <a:endParaRPr lang="en-US" sz="2000" dirty="0" smtClean="0"/>
           </a:p>
           <a:p>
             <a:r>
@@ -3949,18 +3950,36 @@
                 <a:latin typeface="Courier"/>
                 <a:cs typeface="Courier"/>
               </a:rPr>
-              <a:t>app/controllers/</a:t>
+              <a:t>app/controllers</a:t>
+            </a:r>
+            <a:r>
+              <a:rPr lang="en-US" sz="2000" b="1" i="1" dirty="0">
+                <a:latin typeface="Courier"/>
+                <a:cs typeface="Courier"/>
+              </a:rPr>
+              <a:t>/</a:t>
             </a:r>
             <a:r>
               <a:rPr lang="en-US" sz="2000" b="1" i="1" dirty="0" err="1" smtClean="0">
                 <a:latin typeface="Courier"/>
                 <a:cs typeface="Courier"/>
               </a:rPr>
-              <a:t>tabOneChildView.js</a:t>
-            </a:r>
-            <a:r>
-              <a:rPr lang="en-US" dirty="0" smtClean="0"/>
-              <a:t> we only need to open the view.</a:t>
+              <a:t>tabViewOneChild.js</a:t>
+            </a:r>
+            <a:r>
+              <a:rPr lang="en-US" sz="2000" b="1" i="1" dirty="0" smtClean="0">
+                <a:latin typeface="Courier"/>
+                <a:cs typeface="Courier"/>
+              </a:rPr>
+              <a:t> </a:t>
+            </a:r>
+            <a:r>
+              <a:rPr lang="en-US" dirty="0" smtClean="0"/>
+              <a:t>we </a:t>
+            </a:r>
+            <a:r>
+              <a:rPr lang="en-US" dirty="0" smtClean="0"/>
+              <a:t>only need to open the view.</a:t>
             </a:r>
           </a:p>
           <a:p>
@@ -4067,17 +4086,24 @@
                 <a:latin typeface="Courier"/>
                 <a:cs typeface="Courier"/>
               </a:rPr>
-              <a:t>app/controllers/</a:t>
-            </a:r>
-            <a:r>
-              <a:rPr lang="en-US" sz="2000" b="1" i="1" dirty="0" err="1" smtClean="0">
+              <a:t>app/controllers</a:t>
+            </a:r>
+            <a:r>
+              <a:rPr lang="en-US" sz="2000" b="1" i="1" dirty="0">
                 <a:latin typeface="Courier"/>
                 <a:cs typeface="Courier"/>
               </a:rPr>
-              <a:t>tabOneChildView.js</a:t>
-            </a:r>
-            <a:r>
-              <a:rPr lang="en-US" sz="2000" b="1" i="1" dirty="0" smtClean="0">
+              <a:t>/</a:t>
+            </a:r>
+            <a:r>
+              <a:rPr lang="en-US" sz="2000" b="1" i="1" dirty="0" err="1">
+                <a:latin typeface="Courier"/>
+                <a:cs typeface="Courier"/>
+              </a:rPr>
+              <a:t>tabViewOneChild.js</a:t>
+            </a:r>
+            <a:r>
+              <a:rPr lang="en-US" sz="2000" b="1" i="1" dirty="0">
                 <a:latin typeface="Courier"/>
                 <a:cs typeface="Courier"/>
               </a:rPr>
@@ -4205,17 +4231,24 @@
                 <a:latin typeface="Courier"/>
                 <a:cs typeface="Courier"/>
               </a:rPr>
-              <a:t>app/views/</a:t>
-            </a:r>
-            <a:r>
-              <a:rPr lang="en-US" sz="2000" b="1" i="1" dirty="0" err="1" smtClean="0">
+              <a:t>app/views</a:t>
+            </a:r>
+            <a:r>
+              <a:rPr lang="en-US" sz="2000" b="1" i="1" dirty="0">
                 <a:latin typeface="Courier"/>
                 <a:cs typeface="Courier"/>
               </a:rPr>
-              <a:t>tabOneChildView.xml</a:t>
-            </a:r>
-            <a:r>
-              <a:rPr lang="en-US" sz="2000" b="1" i="1" dirty="0" smtClean="0">
+              <a:t>/</a:t>
+            </a:r>
+            <a:r>
+              <a:rPr lang="en-US" sz="2000" b="1" i="1" dirty="0" err="1">
+                <a:latin typeface="Courier"/>
+                <a:cs typeface="Courier"/>
+              </a:rPr>
+              <a:t>tabViewOneChild.xml</a:t>
+            </a:r>
+            <a:r>
+              <a:rPr lang="en-US" sz="2000" b="1" i="1" dirty="0">
                 <a:latin typeface="Courier"/>
                 <a:cs typeface="Courier"/>
               </a:rPr>
@@ -4577,7 +4610,51 @@
               <a:rPr lang="en-US" i="1" dirty="0" smtClean="0">
                 <a:hlinkClick r:id="rId3"/>
               </a:rPr>
-              <a:t>https://github.com/appcelerator/alloy</a:t>
+              <a:t>https://github.com/appcelerator/</a:t>
+            </a:r>
+            <a:r>
+              <a:rPr lang="en-US" i="1" dirty="0" smtClean="0">
+                <a:hlinkClick r:id="rId3"/>
+              </a:rPr>
+              <a:t>alloy</a:t>
+            </a:r>
+            <a:endParaRPr lang="en-US" i="1" dirty="0" smtClean="0"/>
+          </a:p>
+          <a:p>
+            <a:r>
+              <a:rPr lang="en-US" smtClean="0"/>
+              <a:t>Complete Project </a:t>
+            </a:r>
+            <a:r>
+              <a:rPr lang="en-US" dirty="0" smtClean="0"/>
+              <a:t>Source Code</a:t>
+            </a:r>
+          </a:p>
+          <a:p>
+            <a:pPr lvl="1"/>
+            <a:r>
+              <a:rPr lang="en-US" i="1" dirty="0"/>
+              <a:t>https://</a:t>
+            </a:r>
+            <a:r>
+              <a:rPr lang="en-US" i="1" dirty="0" err="1"/>
+              <a:t>github.com</a:t>
+            </a:r>
+            <a:r>
+              <a:rPr lang="en-US" i="1" dirty="0"/>
+              <a:t>/</a:t>
+            </a:r>
+            <a:r>
+              <a:rPr lang="en-US" i="1" dirty="0" err="1"/>
+              <a:t>aaronksaunders</a:t>
+            </a:r>
+            <a:r>
+              <a:rPr lang="en-US" i="1" dirty="0"/>
+              <a:t>/</a:t>
+            </a:r>
+            <a:r>
+              <a:rPr lang="en-US" i="1" dirty="0" err="1"/>
+              <a:t>SimpleAlloyPresentationApp</a:t>
             </a:r>
             <a:endParaRPr lang="en-US" i="1" dirty="0" smtClean="0"/>
           </a:p>
@@ -4790,7 +4867,9 @@
         </p:nvSpPr>
         <p:spPr/>
         <p:txBody>
-          <a:bodyPr/>
+          <a:bodyPr>
+            <a:normAutofit fontScale="92500" lnSpcReduction="10000"/>
+          </a:bodyPr>
           <a:lstStyle/>
           <a:p>
             <a:pPr marL="0" indent="0" algn="ctr">
@@ -4841,12 +4920,61 @@
               <a:buNone/>
             </a:pPr>
             <a:r>
-              <a:rPr lang="en-US" dirty="0" smtClean="0"/>
+              <a:rPr lang="en-US" dirty="0" smtClean="0">
+                <a:hlinkClick r:id="rId3"/>
+              </a:rPr>
               <a:t>http://</a:t>
             </a:r>
             <a:r>
-              <a:rPr lang="en-US" dirty="0" err="1" smtClean="0"/>
+              <a:rPr lang="en-US" dirty="0" smtClean="0">
+                <a:hlinkClick r:id="rId3"/>
+              </a:rPr>
               <a:t>blog.clearlyinnovative.com</a:t>
+            </a:r>
+            <a:endParaRPr lang="en-US" dirty="0" smtClean="0"/>
+          </a:p>
+          <a:p>
+            <a:pPr marL="0" indent="0" algn="ctr">
+              <a:buNone/>
+            </a:pPr>
+            <a:endParaRPr lang="en-US" dirty="0"/>
+          </a:p>
+          <a:p>
+            <a:pPr marL="0" indent="0" algn="ctr">
+              <a:buNone/>
+            </a:pPr>
+            <a:r>
+              <a:rPr lang="en-US" dirty="0" smtClean="0"/>
+              <a:t>Project Source Code</a:t>
+            </a:r>
+          </a:p>
+          <a:p>
+            <a:pPr marL="0" indent="0" algn="ctr">
+              <a:buNone/>
+            </a:pPr>
+            <a:r>
+              <a:rPr lang="en-US" dirty="0"/>
+              <a:t>https://</a:t>
+            </a:r>
+            <a:r>
+              <a:rPr lang="en-US" dirty="0" err="1"/>
+              <a:t>github.com</a:t>
+            </a:r>
+            <a:r>
+              <a:rPr lang="en-US" dirty="0"/>
+              <a:t>/</a:t>
+            </a:r>
+            <a:r>
+              <a:rPr lang="en-US" dirty="0" err="1"/>
+              <a:t>aaronksaunders</a:t>
+            </a:r>
+            <a:r>
+              <a:rPr lang="en-US" dirty="0"/>
+              <a:t>/</a:t>
+            </a:r>
+            <a:r>
+              <a:rPr lang="en-US" dirty="0" err="1"/>
+              <a:t>SimpleAlloyPresentationApp</a:t>
             </a:r>
             <a:endParaRPr lang="en-US" dirty="0"/>
           </a:p>
@@ -5637,7 +5765,7 @@
                 <a:latin typeface="Courier"/>
                 <a:cs typeface="Courier"/>
               </a:rPr>
-              <a:t>tabViewTwo.xml</a:t>
+              <a:t>tabViewTwo</a:t>
             </a:r>
             <a:endParaRPr lang="en-US" sz="2000" b="1" i="1" dirty="0" smtClean="0">
               <a:latin typeface="Courier"/>
